--- a/final_project/presentation.pptx
+++ b/final_project/presentation.pptx
@@ -3337,7 +3337,7 @@
           <a:p>
             <a:r>
               <a:rPr lang="en-US" sz="2400" dirty="0" smtClean="0"/>
-              <a:t>Used train/test split on a the original 284K transactions</a:t>
+              <a:t>Used train/test split on the original 284K transactions</a:t>
             </a:r>
           </a:p>
         </p:txBody>
@@ -3640,7 +3640,7 @@
           <a:p>
             <a:r>
               <a:rPr lang="en-US" sz="2400" dirty="0" smtClean="0"/>
-              <a:t>Used train/test split on a the original 284K transactions</a:t>
+              <a:t>Used train/test split on the original 284K transactions</a:t>
             </a:r>
           </a:p>
         </p:txBody>
@@ -3757,7 +3757,7 @@
                     <a:p>
                       <a:pPr algn="ctr"/>
                       <a:r>
-                        <a:rPr lang="en-US" smtClean="0"/>
+                        <a:rPr lang="en-US" dirty="0" smtClean="0"/>
                         <a:t>RF Test</a:t>
                       </a:r>
                       <a:endParaRPr lang="en-US" dirty="0"/>
@@ -3975,7 +3975,11 @@
           <a:bodyPr/>
           <a:lstStyle/>
           <a:p>
-            <a:endParaRPr lang="en-US"/>
+            <a:r>
+              <a:rPr lang="en-US" dirty="0" smtClean="0"/>
+              <a:t>Results</a:t>
+            </a:r>
+            <a:endParaRPr lang="en-US" dirty="0"/>
           </a:p>
         </p:txBody>
       </p:sp>
@@ -3991,10 +3995,52 @@
         </p:nvSpPr>
         <p:spPr/>
         <p:txBody>
-          <a:bodyPr/>
+          <a:bodyPr vert="horz" lIns="91440" tIns="45720" rIns="91440" bIns="45720" rtlCol="0">
+            <a:normAutofit/>
+          </a:bodyPr>
           <a:lstStyle/>
           <a:p>
-            <a:endParaRPr lang="en-US"/>
+            <a:r>
+              <a:rPr lang="en-US" sz="2400" dirty="0" smtClean="0"/>
+              <a:t>Simple models are successful in identifying fraudulent activity</a:t>
+            </a:r>
+          </a:p>
+          <a:p>
+            <a:pPr lvl="1"/>
+            <a:r>
+              <a:rPr lang="en-US" sz="2000" dirty="0" smtClean="0"/>
+              <a:t>Low number of base estimators for RF</a:t>
+            </a:r>
+          </a:p>
+          <a:p>
+            <a:pPr lvl="1"/>
+            <a:r>
+              <a:rPr lang="en-US" sz="2000" dirty="0" smtClean="0"/>
+              <a:t>Unnecessary to modify LR threshold</a:t>
+            </a:r>
+          </a:p>
+          <a:p>
+            <a:r>
+              <a:rPr lang="en-US" sz="2400" dirty="0" smtClean="0"/>
+              <a:t>Significant underlying assumptions:</a:t>
+            </a:r>
+          </a:p>
+          <a:p>
+            <a:pPr lvl="1"/>
+            <a:r>
+              <a:rPr lang="en-US" sz="2000" dirty="0" smtClean="0"/>
+              <a:t>Ability to replicate PCA-transform</a:t>
+            </a:r>
+          </a:p>
+          <a:p>
+            <a:pPr lvl="1"/>
+            <a:r>
+              <a:rPr lang="en-US" sz="2000" dirty="0" smtClean="0"/>
+              <a:t>Two-day sample reflective of standard purchasing behaviors (lacks dimension of temporality)</a:t>
+            </a:r>
+          </a:p>
+          <a:p>
+            <a:endParaRPr lang="en-US" sz="2400" dirty="0"/>
           </a:p>
         </p:txBody>
       </p:sp>
@@ -5358,7 +5404,7 @@
           <a:p>
             <a:r>
               <a:rPr lang="en-US" sz="2400" dirty="0" smtClean="0"/>
-              <a:t>Assess model performance using AUROC, TPR, FPR</a:t>
+              <a:t>Assess model performance using AUROC, TPR, FPR in addition to accuracy score</a:t>
             </a:r>
             <a:endParaRPr lang="en-US" sz="2400" dirty="0"/>
           </a:p>

--- a/final_project/presentation.pptx
+++ b/final_project/presentation.pptx
@@ -4054,6 +4054,13 @@
   <p:clrMapOvr>
     <a:masterClrMapping/>
   </p:clrMapOvr>
+  <p:timing>
+    <p:tnLst>
+      <p:par>
+        <p:cTn xmlns:p14="http://schemas.microsoft.com/office/powerpoint/2010/main" id="1" dur="indefinite" restart="never" nodeType="tmRoot"/>
+      </p:par>
+    </p:tnLst>
+  </p:timing>
 </p:sld>
 </file>
 

--- a/final_project/presentation.pptx
+++ b/final_project/presentation.pptx
@@ -17,6 +17,7 @@
     <p:sldId id="267" r:id="rId11"/>
     <p:sldId id="268" r:id="rId12"/>
     <p:sldId id="266" r:id="rId13"/>
+    <p:sldId id="269" r:id="rId14"/>
   </p:sldIdLst>
   <p:sldSz cx="9144000" cy="6858000" type="screen4x3"/>
   <p:notesSz cx="6858000" cy="9144000"/>
@@ -469,7 +470,7 @@
           <a:p>
             <a:fld id="{6BFECD78-3C8E-49F2-8FAB-59489D168ABB}" type="datetimeFigureOut">
               <a:rPr lang="en-US" smtClean="0"/>
-              <a:t>10/3/17</a:t>
+              <a:t>10/5/17</a:t>
             </a:fld>
             <a:endParaRPr lang="en-US"/>
           </a:p>
@@ -649,7 +650,7 @@
           <a:p>
             <a:fld id="{6BFECD78-3C8E-49F2-8FAB-59489D168ABB}" type="datetimeFigureOut">
               <a:rPr lang="en-US" smtClean="0"/>
-              <a:t>10/3/17</a:t>
+              <a:t>10/5/17</a:t>
             </a:fld>
             <a:endParaRPr lang="en-US"/>
           </a:p>
@@ -819,7 +820,7 @@
           <a:p>
             <a:fld id="{6BFECD78-3C8E-49F2-8FAB-59489D168ABB}" type="datetimeFigureOut">
               <a:rPr lang="en-US" smtClean="0"/>
-              <a:t>10/3/17</a:t>
+              <a:t>10/5/17</a:t>
             </a:fld>
             <a:endParaRPr lang="en-US"/>
           </a:p>
@@ -1065,7 +1066,7 @@
           <a:p>
             <a:fld id="{6BFECD78-3C8E-49F2-8FAB-59489D168ABB}" type="datetimeFigureOut">
               <a:rPr lang="en-US" smtClean="0"/>
-              <a:t>10/3/17</a:t>
+              <a:t>10/5/17</a:t>
             </a:fld>
             <a:endParaRPr lang="en-US"/>
           </a:p>
@@ -1353,7 +1354,7 @@
           <a:p>
             <a:fld id="{6BFECD78-3C8E-49F2-8FAB-59489D168ABB}" type="datetimeFigureOut">
               <a:rPr lang="en-US" smtClean="0"/>
-              <a:t>10/3/17</a:t>
+              <a:t>10/5/17</a:t>
             </a:fld>
             <a:endParaRPr lang="en-US"/>
           </a:p>
@@ -1775,7 +1776,7 @@
           <a:p>
             <a:fld id="{6BFECD78-3C8E-49F2-8FAB-59489D168ABB}" type="datetimeFigureOut">
               <a:rPr lang="en-US" smtClean="0"/>
-              <a:t>10/3/17</a:t>
+              <a:t>10/5/17</a:t>
             </a:fld>
             <a:endParaRPr lang="en-US"/>
           </a:p>
@@ -1893,7 +1894,7 @@
           <a:p>
             <a:fld id="{6BFECD78-3C8E-49F2-8FAB-59489D168ABB}" type="datetimeFigureOut">
               <a:rPr lang="en-US" smtClean="0"/>
-              <a:t>10/3/17</a:t>
+              <a:t>10/5/17</a:t>
             </a:fld>
             <a:endParaRPr lang="en-US"/>
           </a:p>
@@ -1988,7 +1989,7 @@
           <a:p>
             <a:fld id="{6BFECD78-3C8E-49F2-8FAB-59489D168ABB}" type="datetimeFigureOut">
               <a:rPr lang="en-US" smtClean="0"/>
-              <a:t>10/3/17</a:t>
+              <a:t>10/5/17</a:t>
             </a:fld>
             <a:endParaRPr lang="en-US"/>
           </a:p>
@@ -2265,7 +2266,7 @@
           <a:p>
             <a:fld id="{6BFECD78-3C8E-49F2-8FAB-59489D168ABB}" type="datetimeFigureOut">
               <a:rPr lang="en-US" smtClean="0"/>
-              <a:t>10/3/17</a:t>
+              <a:t>10/5/17</a:t>
             </a:fld>
             <a:endParaRPr lang="en-US"/>
           </a:p>
@@ -2522,7 +2523,7 @@
           <a:p>
             <a:fld id="{6BFECD78-3C8E-49F2-8FAB-59489D168ABB}" type="datetimeFigureOut">
               <a:rPr lang="en-US" smtClean="0"/>
-              <a:t>10/3/17</a:t>
+              <a:t>10/5/17</a:t>
             </a:fld>
             <a:endParaRPr lang="en-US"/>
           </a:p>
@@ -3351,7 +3352,7 @@
           <p:nvPr>
             <p:extLst>
               <p:ext uri="{D42A27DB-BD31-4B8C-83A1-F6EECF244321}">
-                <p14:modId xmlns:p14="http://schemas.microsoft.com/office/powerpoint/2010/main" val="2197172616"/>
+                <p14:modId xmlns:p14="http://schemas.microsoft.com/office/powerpoint/2010/main" val="1362278026"/>
               </p:ext>
             </p:extLst>
           </p:nvPr>
@@ -3532,7 +3533,11 @@
                       <a:endParaRPr lang="en-US" dirty="0"/>
                     </a:p>
                   </a:txBody>
-                  <a:tcPr/>
+                  <a:tcPr>
+                    <a:solidFill>
+                      <a:srgbClr val="C0504D"/>
+                    </a:solidFill>
+                  </a:tcPr>
                 </a:tc>
               </a:tr>
             </a:tbl>
@@ -3654,7 +3659,7 @@
           <p:nvPr>
             <p:extLst>
               <p:ext uri="{D42A27DB-BD31-4B8C-83A1-F6EECF244321}">
-                <p14:modId xmlns:p14="http://schemas.microsoft.com/office/powerpoint/2010/main" val="294159725"/>
+                <p14:modId xmlns:p14="http://schemas.microsoft.com/office/powerpoint/2010/main" val="1401410015"/>
               </p:ext>
             </p:extLst>
           </p:nvPr>
@@ -3835,7 +3840,11 @@
                       <a:endParaRPr lang="en-US" dirty="0"/>
                     </a:p>
                   </a:txBody>
-                  <a:tcPr/>
+                  <a:tcPr>
+                    <a:solidFill>
+                      <a:srgbClr val="C0504D"/>
+                    </a:solidFill>
+                  </a:tcPr>
                 </a:tc>
               </a:tr>
               <a:tr h="555203">
@@ -3916,7 +3925,11 @@
                       <a:endParaRPr lang="en-US" dirty="0"/>
                     </a:p>
                   </a:txBody>
-                  <a:tcPr/>
+                  <a:tcPr>
+                    <a:solidFill>
+                      <a:srgbClr val="C0504D"/>
+                    </a:solidFill>
+                  </a:tcPr>
                 </a:tc>
               </a:tr>
             </a:tbl>
@@ -4016,13 +4029,21 @@
             <a:pPr lvl="1"/>
             <a:r>
               <a:rPr lang="en-US" sz="2000" dirty="0" smtClean="0"/>
-              <a:t>Unnecessary to modify LR threshold</a:t>
+              <a:t>Unnecessary to modify LR </a:t>
+            </a:r>
+            <a:r>
+              <a:rPr lang="en-US" sz="2000" dirty="0" smtClean="0"/>
+              <a:t>threshold</a:t>
             </a:r>
           </a:p>
           <a:p>
             <a:r>
               <a:rPr lang="en-US" sz="2400" dirty="0" smtClean="0"/>
-              <a:t>Significant underlying assumptions:</a:t>
+              <a:t>Significant </a:t>
+            </a:r>
+            <a:r>
+              <a:rPr lang="en-US" sz="2400" dirty="0" smtClean="0"/>
+              <a:t>underlying assumptions:</a:t>
             </a:r>
           </a:p>
           <a:p>
@@ -4040,6 +4061,14 @@
             </a:r>
           </a:p>
           <a:p>
+            <a:r>
+              <a:rPr lang="en-US" sz="2400" dirty="0"/>
+              <a:t>Simple Logistic Regression on ORIGINAL features could be an effective productized </a:t>
+            </a:r>
+            <a:r>
+              <a:rPr lang="en-US" sz="2400" dirty="0" smtClean="0"/>
+              <a:t>solution</a:t>
+            </a:r>
             <a:endParaRPr lang="en-US" sz="2400" dirty="0"/>
           </a:p>
         </p:txBody>
@@ -4048,6 +4077,66 @@
     <p:extLst>
       <p:ext uri="{BB962C8B-B14F-4D97-AF65-F5344CB8AC3E}">
         <p14:creationId xmlns:p14="http://schemas.microsoft.com/office/powerpoint/2010/main" val="2009798437"/>
+      </p:ext>
+    </p:extLst>
+  </p:cSld>
+  <p:clrMapOvr>
+    <a:masterClrMapping/>
+  </p:clrMapOvr>
+  <p:timing>
+    <p:tnLst>
+      <p:par>
+        <p:cTn xmlns:p14="http://schemas.microsoft.com/office/powerpoint/2010/main" id="1" dur="indefinite" restart="never" nodeType="tmRoot"/>
+      </p:par>
+    </p:tnLst>
+  </p:timing>
+</p:sld>
+</file>
+
+<file path=ppt/slides/slide13.xml><?xml version="1.0" encoding="utf-8"?>
+<p:sld xmlns:a="http://schemas.openxmlformats.org/drawingml/2006/main" xmlns:r="http://schemas.openxmlformats.org/officeDocument/2006/relationships" xmlns:p="http://schemas.openxmlformats.org/presentationml/2006/main">
+  <p:cSld>
+    <p:spTree>
+      <p:nvGrpSpPr>
+        <p:cNvPr id="1" name=""/>
+        <p:cNvGrpSpPr/>
+        <p:nvPr/>
+      </p:nvGrpSpPr>
+      <p:grpSpPr>
+        <a:xfrm>
+          <a:off x="0" y="0"/>
+          <a:ext cx="0" cy="0"/>
+          <a:chOff x="0" y="0"/>
+          <a:chExt cx="0" cy="0"/>
+        </a:xfrm>
+      </p:grpSpPr>
+      <p:sp>
+        <p:nvSpPr>
+          <p:cNvPr id="2" name="Title 1"/>
+          <p:cNvSpPr>
+            <a:spLocks noGrp="1"/>
+          </p:cNvSpPr>
+          <p:nvPr>
+            <p:ph type="title"/>
+          </p:nvPr>
+        </p:nvSpPr>
+        <p:spPr/>
+        <p:txBody>
+          <a:bodyPr/>
+          <a:lstStyle/>
+          <a:p>
+            <a:r>
+              <a:rPr lang="en-US" dirty="0" smtClean="0"/>
+              <a:t>Questions?</a:t>
+            </a:r>
+            <a:endParaRPr lang="en-US" dirty="0"/>
+          </a:p>
+        </p:txBody>
+      </p:sp>
+    </p:spTree>
+    <p:extLst>
+      <p:ext uri="{BB962C8B-B14F-4D97-AF65-F5344CB8AC3E}">
+        <p14:creationId xmlns:p14="http://schemas.microsoft.com/office/powerpoint/2010/main" val="4044899997"/>
       </p:ext>
     </p:extLst>
   </p:cSld>
@@ -4267,7 +4356,7 @@
         <p:spPr/>
         <p:txBody>
           <a:bodyPr>
-            <a:normAutofit/>
+            <a:normAutofit lnSpcReduction="10000"/>
           </a:bodyPr>
           <a:lstStyle/>
           <a:p>
@@ -4312,7 +4401,15 @@
           <a:p>
             <a:r>
               <a:rPr lang="en-US" sz="2400" dirty="0" smtClean="0"/>
-              <a:t>Data already transformed using PCA to obfuscate raw data</a:t>
+              <a:t>Data already transformed using PCA </a:t>
+            </a:r>
+            <a:r>
+              <a:rPr lang="en-US" sz="2400" dirty="0" smtClean="0"/>
+              <a:t>(29 components) to </a:t>
+            </a:r>
+            <a:r>
+              <a:rPr lang="en-US" sz="2400" dirty="0" smtClean="0"/>
+              <a:t>obfuscate raw data</a:t>
             </a:r>
           </a:p>
           <a:p>
@@ -4495,39 +4592,45 @@
           <a:p>
             <a:pPr lvl="1"/>
             <a:r>
+              <a:rPr lang="en-US" sz="2000" dirty="0" smtClean="0"/>
+              <a:t>Simple coefficients</a:t>
+            </a:r>
+          </a:p>
+          <a:p>
+            <a:pPr lvl="1"/>
+            <a:r>
               <a:rPr lang="en-US" sz="2000" dirty="0" err="1" smtClean="0"/>
               <a:t>Orthogonality</a:t>
             </a:r>
             <a:r>
               <a:rPr lang="en-US" sz="2000" dirty="0" smtClean="0"/>
-              <a:t> of Principal Components</a:t>
-            </a:r>
-          </a:p>
-          <a:p>
-            <a:pPr lvl="1"/>
+              <a:t> </a:t>
+            </a:r>
             <a:r>
               <a:rPr lang="en-US" sz="2000" dirty="0" smtClean="0"/>
-              <a:t>“Interpretability” of results for non-transformed features </a:t>
-            </a:r>
-          </a:p>
-          <a:p>
-            <a:pPr lvl="2"/>
-            <a:r>
-              <a:rPr lang="en-US" sz="1600" dirty="0" smtClean="0"/>
-              <a:t>Time, Amount</a:t>
-            </a:r>
-          </a:p>
-          <a:p>
+              <a:t>of Principal Components</a:t>
+            </a:r>
+          </a:p>
+          <a:p>
+            <a:r>
+              <a:rPr lang="en-US" sz="2400" smtClean="0"/>
+              <a:t>Choose </a:t>
+            </a:r>
             <a:r>
               <a:rPr lang="en-US" sz="2400" dirty="0" smtClean="0"/>
-              <a:t>Choose desired input features using simple Logistic Regression iterating through Principal Components</a:t>
+              <a:t>desired input features using simple Logistic Regression iterating through Principal Components</a:t>
             </a:r>
           </a:p>
           <a:p>
             <a:r>
               <a:rPr lang="en-US" sz="2400" dirty="0" smtClean="0"/>
-              <a:t>Perform additional parameter tuning using</a:t>
-            </a:r>
+              <a:t>Perform additional parameter </a:t>
+            </a:r>
+            <a:r>
+              <a:rPr lang="en-US" sz="2400" dirty="0" smtClean="0"/>
+              <a:t>tuning</a:t>
+            </a:r>
+            <a:endParaRPr lang="en-US" sz="2400" dirty="0" smtClean="0"/>
           </a:p>
         </p:txBody>
       </p:sp>
@@ -5150,7 +5253,6 @@
               <a:rPr lang="en-US" sz="2400" dirty="0" smtClean="0"/>
               <a:t>”</a:t>
             </a:r>
-            <a:endParaRPr lang="en-US" sz="2400" dirty="0" smtClean="0"/>
           </a:p>
         </p:txBody>
       </p:sp>
